--- a/lecture-slides_upload/lecture/06_Statistical Methods_Making Predictions.pptx
+++ b/lecture-slides_upload/lecture/06_Statistical Methods_Making Predictions.pptx
@@ -246,7 +246,7 @@
           <a:p>
             <a:fld id="{6A4B1ABF-BAF2-0E4B-88A8-8F2BBF0074AC}" type="datetimeFigureOut">
               <a:rPr lang="en-US" smtClean="0"/>
-              <a:t>10/12/22</a:t>
+              <a:t>2/21/24</a:t>
             </a:fld>
             <a:endParaRPr lang="en-US"/>
           </a:p>
@@ -3102,7 +3102,7 @@
           <a:p>
             <a:fld id="{BA763BF8-AC66-E249-9CE8-8353EEB16B82}" type="datetimeFigureOut">
               <a:rPr lang="en-US" smtClean="0"/>
-              <a:t>10/12/22</a:t>
+              <a:t>2/21/24</a:t>
             </a:fld>
             <a:endParaRPr lang="en-US"/>
           </a:p>
@@ -3304,7 +3304,7 @@
           <a:p>
             <a:fld id="{BA763BF8-AC66-E249-9CE8-8353EEB16B82}" type="datetimeFigureOut">
               <a:rPr lang="en-US" smtClean="0"/>
-              <a:t>10/12/22</a:t>
+              <a:t>2/21/24</a:t>
             </a:fld>
             <a:endParaRPr lang="en-US"/>
           </a:p>
@@ -3512,7 +3512,7 @@
           <a:p>
             <a:fld id="{BA763BF8-AC66-E249-9CE8-8353EEB16B82}" type="datetimeFigureOut">
               <a:rPr lang="en-US" smtClean="0"/>
-              <a:t>10/12/22</a:t>
+              <a:t>2/21/24</a:t>
             </a:fld>
             <a:endParaRPr lang="en-US"/>
           </a:p>
@@ -3927,7 +3927,7 @@
           <a:p>
             <a:fld id="{BA763BF8-AC66-E249-9CE8-8353EEB16B82}" type="datetimeFigureOut">
               <a:rPr lang="en-US" smtClean="0"/>
-              <a:t>10/12/22</a:t>
+              <a:t>2/21/24</a:t>
             </a:fld>
             <a:endParaRPr lang="en-US"/>
           </a:p>
@@ -4202,7 +4202,7 @@
           <a:p>
             <a:fld id="{BA763BF8-AC66-E249-9CE8-8353EEB16B82}" type="datetimeFigureOut">
               <a:rPr lang="en-US" smtClean="0"/>
-              <a:t>10/12/22</a:t>
+              <a:t>2/21/24</a:t>
             </a:fld>
             <a:endParaRPr lang="en-US"/>
           </a:p>
@@ -4471,7 +4471,7 @@
           <a:p>
             <a:fld id="{BA763BF8-AC66-E249-9CE8-8353EEB16B82}" type="datetimeFigureOut">
               <a:rPr lang="en-US" smtClean="0"/>
-              <a:t>10/12/22</a:t>
+              <a:t>2/21/24</a:t>
             </a:fld>
             <a:endParaRPr lang="en-US"/>
           </a:p>
@@ -4887,7 +4887,7 @@
           <a:p>
             <a:fld id="{BA763BF8-AC66-E249-9CE8-8353EEB16B82}" type="datetimeFigureOut">
               <a:rPr lang="en-US" smtClean="0"/>
-              <a:t>10/12/22</a:t>
+              <a:t>2/21/24</a:t>
             </a:fld>
             <a:endParaRPr lang="en-US"/>
           </a:p>
@@ -5032,7 +5032,7 @@
           <a:p>
             <a:fld id="{BA763BF8-AC66-E249-9CE8-8353EEB16B82}" type="datetimeFigureOut">
               <a:rPr lang="en-US" smtClean="0"/>
-              <a:t>10/12/22</a:t>
+              <a:t>2/21/24</a:t>
             </a:fld>
             <a:endParaRPr lang="en-US"/>
           </a:p>
@@ -5145,7 +5145,7 @@
           <a:p>
             <a:fld id="{BA763BF8-AC66-E249-9CE8-8353EEB16B82}" type="datetimeFigureOut">
               <a:rPr lang="en-US" smtClean="0"/>
-              <a:t>10/12/22</a:t>
+              <a:t>2/21/24</a:t>
             </a:fld>
             <a:endParaRPr lang="en-US"/>
           </a:p>
@@ -5456,7 +5456,7 @@
           <a:p>
             <a:fld id="{BA763BF8-AC66-E249-9CE8-8353EEB16B82}" type="datetimeFigureOut">
               <a:rPr lang="en-US" smtClean="0"/>
-              <a:t>10/12/22</a:t>
+              <a:t>2/21/24</a:t>
             </a:fld>
             <a:endParaRPr lang="en-US"/>
           </a:p>
@@ -5744,7 +5744,7 @@
           <a:p>
             <a:fld id="{BA763BF8-AC66-E249-9CE8-8353EEB16B82}" type="datetimeFigureOut">
               <a:rPr lang="en-US" smtClean="0"/>
-              <a:t>10/12/22</a:t>
+              <a:t>2/21/24</a:t>
             </a:fld>
             <a:endParaRPr lang="en-US"/>
           </a:p>
@@ -5988,7 +5988,7 @@
             <a:fld id="{BA763BF8-AC66-E249-9CE8-8353EEB16B82}" type="datetimeFigureOut">
               <a:rPr lang="en-US" smtClean="0"/>
               <a:pPr/>
-              <a:t>10/12/22</a:t>
+              <a:t>2/21/24</a:t>
             </a:fld>
             <a:endParaRPr lang="en-US"/>
           </a:p>
@@ -18301,8 +18301,13 @@
           <a:p>
             <a:r>
               <a:rPr lang="en-GB" dirty="0"/>
-              <a:t>Intercepts and Gradients</a:t>
-            </a:r>
+              <a:t>Intercepts </a:t>
+            </a:r>
+            <a:r>
+              <a:rPr lang="en-GB"/>
+              <a:t>and slopes</a:t>
+            </a:r>
+            <a:endParaRPr lang="en-GB" dirty="0"/>
           </a:p>
         </p:txBody>
       </p:sp>

--- a/lecture-slides_upload/lecture/06_Statistical Methods_Making Predictions.pptx
+++ b/lecture-slides_upload/lecture/06_Statistical Methods_Making Predictions.pptx
@@ -6463,18 +6463,7 @@
           <a:lstStyle/>
           <a:p>
             <a:r>
-              <a:rPr lang="en-GB" dirty="0"/>
-              <a:t>Vanessa </a:t>
-            </a:r>
-            <a:r>
-              <a:rPr lang="en-GB" dirty="0" err="1"/>
-              <a:t>LoBue</a:t>
-            </a:r>
-            <a:endParaRPr lang="en-GB" dirty="0"/>
-          </a:p>
-          <a:p>
-            <a:r>
-              <a:rPr lang="en-GB" dirty="0"/>
+              <a:rPr lang="en-GB"/>
               <a:t>Jamil </a:t>
             </a:r>
             <a:r>
@@ -7622,7 +7611,11 @@
             <a:pPr lvl="2"/>
             <a:r>
               <a:rPr lang="en-US" sz="3200" i="1" dirty="0"/>
-              <a:t>F</a:t>
+              <a:t>F </a:t>
+            </a:r>
+            <a:r>
+              <a:rPr lang="en-US" sz="3200" dirty="0"/>
+              <a:t>statistic</a:t>
             </a:r>
           </a:p>
           <a:p>
@@ -7635,7 +7628,10 @@
               <a:rPr lang="en-US" sz="3200" baseline="30000" dirty="0"/>
               <a:t>2</a:t>
             </a:r>
-            <a:endParaRPr lang="en-US" sz="3200" dirty="0"/>
+            <a:r>
+              <a:rPr lang="en-US" sz="3200" dirty="0"/>
+              <a:t> coefficient of determination</a:t>
+            </a:r>
           </a:p>
         </p:txBody>
       </p:sp>
@@ -12149,7 +12145,9 @@
           <a:ln/>
         </p:spPr>
         <p:txBody>
-          <a:bodyPr/>
+          <a:bodyPr>
+            <a:normAutofit lnSpcReduction="10000"/>
+          </a:bodyPr>
           <a:lstStyle/>
           <a:p>
             <a:pPr>
@@ -12211,7 +12209,7 @@
             </a:pPr>
             <a:r>
               <a:rPr lang="en-GB" sz="3200" dirty="0"/>
-              <a:t>It relies on the researcher knowing what they’re doing!</a:t>
+              <a:t>It relies on the researcher having a strong model beforehand!</a:t>
             </a:r>
             <a:endParaRPr lang="en-GB" sz="3600" dirty="0"/>
           </a:p>
@@ -17421,7 +17419,7 @@
             <a:pPr lvl="1"/>
             <a:r>
               <a:rPr lang="en-US" sz="2400" dirty="0"/>
-              <a:t>Gradient (slope) of the line</a:t>
+              <a:t>Slope (gradient) of the line</a:t>
             </a:r>
           </a:p>
           <a:p>
@@ -17450,7 +17448,7 @@
             <a:pPr lvl="1"/>
             <a:r>
               <a:rPr lang="en-US" sz="2400" dirty="0"/>
-              <a:t>Intercept (value of </a:t>
+              <a:t>Intercept (predicted value of </a:t>
             </a:r>
             <a:r>
               <a:rPr lang="en-US" sz="2400" i="1" dirty="0"/>
@@ -18301,13 +18299,8 @@
           <a:p>
             <a:r>
               <a:rPr lang="en-GB" dirty="0"/>
-              <a:t>Intercepts </a:t>
-            </a:r>
-            <a:r>
-              <a:rPr lang="en-GB"/>
-              <a:t>and slopes</a:t>
-            </a:r>
-            <a:endParaRPr lang="en-GB" dirty="0"/>
+              <a:t>Intercepts and slopes</a:t>
+            </a:r>
           </a:p>
         </p:txBody>
       </p:sp>

--- a/lecture-slides_upload/lecture/06_Statistical Methods_Making Predictions.pptx
+++ b/lecture-slides_upload/lecture/06_Statistical Methods_Making Predictions.pptx
@@ -5,7 +5,7 @@
     <p:sldMasterId id="2147483648" r:id="rId1"/>
   </p:sldMasterIdLst>
   <p:notesMasterIdLst>
-    <p:notesMasterId r:id="rId40"/>
+    <p:notesMasterId r:id="rId41"/>
   </p:notesMasterIdLst>
   <p:sldIdLst>
     <p:sldId id="257" r:id="rId2"/>
@@ -46,6 +46,7 @@
     <p:sldId id="333" r:id="rId37"/>
     <p:sldId id="358" r:id="rId38"/>
     <p:sldId id="353" r:id="rId39"/>
+    <p:sldId id="359" r:id="rId40"/>
   </p:sldIdLst>
   <p:sldSz cx="12192000" cy="6858000"/>
   <p:notesSz cx="6858000" cy="9144000"/>
@@ -246,7 +247,7 @@
           <a:p>
             <a:fld id="{6A4B1ABF-BAF2-0E4B-88A8-8F2BBF0074AC}" type="datetimeFigureOut">
               <a:rPr lang="en-US" smtClean="0"/>
-              <a:t>2/21/24</a:t>
+              <a:t>3/27/24</a:t>
             </a:fld>
             <a:endParaRPr lang="en-US"/>
           </a:p>
@@ -3102,7 +3103,7 @@
           <a:p>
             <a:fld id="{BA763BF8-AC66-E249-9CE8-8353EEB16B82}" type="datetimeFigureOut">
               <a:rPr lang="en-US" smtClean="0"/>
-              <a:t>2/21/24</a:t>
+              <a:t>3/27/24</a:t>
             </a:fld>
             <a:endParaRPr lang="en-US"/>
           </a:p>
@@ -3304,7 +3305,7 @@
           <a:p>
             <a:fld id="{BA763BF8-AC66-E249-9CE8-8353EEB16B82}" type="datetimeFigureOut">
               <a:rPr lang="en-US" smtClean="0"/>
-              <a:t>2/21/24</a:t>
+              <a:t>3/27/24</a:t>
             </a:fld>
             <a:endParaRPr lang="en-US"/>
           </a:p>
@@ -3512,7 +3513,7 @@
           <a:p>
             <a:fld id="{BA763BF8-AC66-E249-9CE8-8353EEB16B82}" type="datetimeFigureOut">
               <a:rPr lang="en-US" smtClean="0"/>
-              <a:t>2/21/24</a:t>
+              <a:t>3/27/24</a:t>
             </a:fld>
             <a:endParaRPr lang="en-US"/>
           </a:p>
@@ -3927,7 +3928,7 @@
           <a:p>
             <a:fld id="{BA763BF8-AC66-E249-9CE8-8353EEB16B82}" type="datetimeFigureOut">
               <a:rPr lang="en-US" smtClean="0"/>
-              <a:t>2/21/24</a:t>
+              <a:t>3/27/24</a:t>
             </a:fld>
             <a:endParaRPr lang="en-US"/>
           </a:p>
@@ -4202,7 +4203,7 @@
           <a:p>
             <a:fld id="{BA763BF8-AC66-E249-9CE8-8353EEB16B82}" type="datetimeFigureOut">
               <a:rPr lang="en-US" smtClean="0"/>
-              <a:t>2/21/24</a:t>
+              <a:t>3/27/24</a:t>
             </a:fld>
             <a:endParaRPr lang="en-US"/>
           </a:p>
@@ -4471,7 +4472,7 @@
           <a:p>
             <a:fld id="{BA763BF8-AC66-E249-9CE8-8353EEB16B82}" type="datetimeFigureOut">
               <a:rPr lang="en-US" smtClean="0"/>
-              <a:t>2/21/24</a:t>
+              <a:t>3/27/24</a:t>
             </a:fld>
             <a:endParaRPr lang="en-US"/>
           </a:p>
@@ -4887,7 +4888,7 @@
           <a:p>
             <a:fld id="{BA763BF8-AC66-E249-9CE8-8353EEB16B82}" type="datetimeFigureOut">
               <a:rPr lang="en-US" smtClean="0"/>
-              <a:t>2/21/24</a:t>
+              <a:t>3/27/24</a:t>
             </a:fld>
             <a:endParaRPr lang="en-US"/>
           </a:p>
@@ -5032,7 +5033,7 @@
           <a:p>
             <a:fld id="{BA763BF8-AC66-E249-9CE8-8353EEB16B82}" type="datetimeFigureOut">
               <a:rPr lang="en-US" smtClean="0"/>
-              <a:t>2/21/24</a:t>
+              <a:t>3/27/24</a:t>
             </a:fld>
             <a:endParaRPr lang="en-US"/>
           </a:p>
@@ -5145,7 +5146,7 @@
           <a:p>
             <a:fld id="{BA763BF8-AC66-E249-9CE8-8353EEB16B82}" type="datetimeFigureOut">
               <a:rPr lang="en-US" smtClean="0"/>
-              <a:t>2/21/24</a:t>
+              <a:t>3/27/24</a:t>
             </a:fld>
             <a:endParaRPr lang="en-US"/>
           </a:p>
@@ -5456,7 +5457,7 @@
           <a:p>
             <a:fld id="{BA763BF8-AC66-E249-9CE8-8353EEB16B82}" type="datetimeFigureOut">
               <a:rPr lang="en-US" smtClean="0"/>
-              <a:t>2/21/24</a:t>
+              <a:t>3/27/24</a:t>
             </a:fld>
             <a:endParaRPr lang="en-US"/>
           </a:p>
@@ -5744,7 +5745,7 @@
           <a:p>
             <a:fld id="{BA763BF8-AC66-E249-9CE8-8353EEB16B82}" type="datetimeFigureOut">
               <a:rPr lang="en-US" smtClean="0"/>
-              <a:t>2/21/24</a:t>
+              <a:t>3/27/24</a:t>
             </a:fld>
             <a:endParaRPr lang="en-US"/>
           </a:p>
@@ -5988,7 +5989,7 @@
             <a:fld id="{BA763BF8-AC66-E249-9CE8-8353EEB16B82}" type="datetimeFigureOut">
               <a:rPr lang="en-US" smtClean="0"/>
               <a:pPr/>
-              <a:t>2/21/24</a:t>
+              <a:t>3/27/24</a:t>
             </a:fld>
             <a:endParaRPr lang="en-US"/>
           </a:p>
@@ -16864,6 +16865,104 @@
 </p:sld>
 </file>
 
+<file path=ppt/slides/slide39.xml><?xml version="1.0" encoding="utf-8"?>
+<p:sld xmlns:a="http://schemas.openxmlformats.org/drawingml/2006/main" xmlns:r="http://schemas.openxmlformats.org/officeDocument/2006/relationships" xmlns:p="http://schemas.openxmlformats.org/presentationml/2006/main">
+  <p:cSld>
+    <p:spTree>
+      <p:nvGrpSpPr>
+        <p:cNvPr id="1" name=""/>
+        <p:cNvGrpSpPr/>
+        <p:nvPr/>
+      </p:nvGrpSpPr>
+      <p:grpSpPr>
+        <a:xfrm>
+          <a:off x="0" y="0"/>
+          <a:ext cx="0" cy="0"/>
+          <a:chOff x="0" y="0"/>
+          <a:chExt cx="0" cy="0"/>
+        </a:xfrm>
+      </p:grpSpPr>
+      <p:sp>
+        <p:nvSpPr>
+          <p:cNvPr id="2" name="Title 1">
+            <a:extLst>
+              <a:ext uri="{FF2B5EF4-FFF2-40B4-BE49-F238E27FC236}">
+                <a16:creationId xmlns:a16="http://schemas.microsoft.com/office/drawing/2014/main" id="{B515600C-6602-654B-C8D9-CED05807189B}"/>
+              </a:ext>
+            </a:extLst>
+          </p:cNvPr>
+          <p:cNvSpPr>
+            <a:spLocks noGrp="1"/>
+          </p:cNvSpPr>
+          <p:nvPr>
+            <p:ph type="title"/>
+          </p:nvPr>
+        </p:nvSpPr>
+        <p:spPr/>
+        <p:txBody>
+          <a:bodyPr/>
+          <a:lstStyle/>
+          <a:p>
+            <a:r>
+              <a:rPr lang="en-US" dirty="0"/>
+              <a:t>Suppression</a:t>
+            </a:r>
+          </a:p>
+        </p:txBody>
+      </p:sp>
+      <p:sp>
+        <p:nvSpPr>
+          <p:cNvPr id="3" name="Content Placeholder 2">
+            <a:extLst>
+              <a:ext uri="{FF2B5EF4-FFF2-40B4-BE49-F238E27FC236}">
+                <a16:creationId xmlns:a16="http://schemas.microsoft.com/office/drawing/2014/main" id="{B611737A-C919-F483-714C-3168E30B0B53}"/>
+              </a:ext>
+            </a:extLst>
+          </p:cNvPr>
+          <p:cNvSpPr>
+            <a:spLocks noGrp="1"/>
+          </p:cNvSpPr>
+          <p:nvPr>
+            <p:ph idx="1"/>
+          </p:nvPr>
+        </p:nvSpPr>
+        <p:spPr/>
+        <p:txBody>
+          <a:bodyPr/>
+          <a:lstStyle/>
+          <a:p>
+            <a:r>
+              <a:rPr lang="en-US" dirty="0">
+                <a:hlinkClick r:id="rId2"/>
+              </a:rPr>
+              <a:t>https://youtu.be/AHfUBqzWIkw?list</a:t>
+            </a:r>
+            <a:r>
+              <a:rPr lang="en-US">
+                <a:hlinkClick r:id="rId2"/>
+              </a:rPr>
+              <a:t>=PLB2iAtgpI4YGoXjV-Ar_xuRIxvND9Q3WJ&amp;t=525</a:t>
+            </a:r>
+            <a:endParaRPr lang="en-US"/>
+          </a:p>
+          <a:p>
+            <a:endParaRPr lang="en-US"/>
+          </a:p>
+        </p:txBody>
+      </p:sp>
+    </p:spTree>
+    <p:extLst>
+      <p:ext uri="{BB962C8B-B14F-4D97-AF65-F5344CB8AC3E}">
+        <p14:creationId xmlns:p14="http://schemas.microsoft.com/office/powerpoint/2010/main" val="300872728"/>
+      </p:ext>
+    </p:extLst>
+  </p:cSld>
+  <p:clrMapOvr>
+    <a:masterClrMapping/>
+  </p:clrMapOvr>
+</p:sld>
+</file>
+
 <file path=ppt/slides/slide4.xml><?xml version="1.0" encoding="utf-8"?>
 <p:sld xmlns:a="http://schemas.openxmlformats.org/drawingml/2006/main" xmlns:r="http://schemas.openxmlformats.org/officeDocument/2006/relationships" xmlns:p="http://schemas.openxmlformats.org/presentationml/2006/main">
   <p:cSld>
